--- a/figures/Figure2.pptx
+++ b/figures/Figure2.pptx
@@ -197,7 +197,7 @@
           <a:p>
             <a:fld id="{F660B25F-A1D7-4641-B84D-4EA17F879FAD}" type="datetimeFigureOut">
               <a:rPr lang="en-GB" smtClean="0"/>
-              <a:t>31/12/2022</a:t>
+              <a:t>01/01/2023</a:t>
             </a:fld>
             <a:endParaRPr lang="en-GB"/>
           </a:p>
@@ -685,7 +685,7 @@
           <a:p>
             <a:fld id="{6BE6577F-8B27-443F-861A-67A305ED1D46}" type="datetimeFigureOut">
               <a:rPr lang="en-GB" smtClean="0"/>
-              <a:t>31/12/2022</a:t>
+              <a:t>01/01/2023</a:t>
             </a:fld>
             <a:endParaRPr lang="en-GB"/>
           </a:p>
@@ -855,7 +855,7 @@
           <a:p>
             <a:fld id="{6BE6577F-8B27-443F-861A-67A305ED1D46}" type="datetimeFigureOut">
               <a:rPr lang="en-GB" smtClean="0"/>
-              <a:t>31/12/2022</a:t>
+              <a:t>01/01/2023</a:t>
             </a:fld>
             <a:endParaRPr lang="en-GB"/>
           </a:p>
@@ -1035,7 +1035,7 @@
           <a:p>
             <a:fld id="{6BE6577F-8B27-443F-861A-67A305ED1D46}" type="datetimeFigureOut">
               <a:rPr lang="en-GB" smtClean="0"/>
-              <a:t>31/12/2022</a:t>
+              <a:t>01/01/2023</a:t>
             </a:fld>
             <a:endParaRPr lang="en-GB"/>
           </a:p>
@@ -1205,7 +1205,7 @@
           <a:p>
             <a:fld id="{6BE6577F-8B27-443F-861A-67A305ED1D46}" type="datetimeFigureOut">
               <a:rPr lang="en-GB" smtClean="0"/>
-              <a:t>31/12/2022</a:t>
+              <a:t>01/01/2023</a:t>
             </a:fld>
             <a:endParaRPr lang="en-GB"/>
           </a:p>
@@ -1449,7 +1449,7 @@
           <a:p>
             <a:fld id="{6BE6577F-8B27-443F-861A-67A305ED1D46}" type="datetimeFigureOut">
               <a:rPr lang="en-GB" smtClean="0"/>
-              <a:t>31/12/2022</a:t>
+              <a:t>01/01/2023</a:t>
             </a:fld>
             <a:endParaRPr lang="en-GB"/>
           </a:p>
@@ -1681,7 +1681,7 @@
           <a:p>
             <a:fld id="{6BE6577F-8B27-443F-861A-67A305ED1D46}" type="datetimeFigureOut">
               <a:rPr lang="en-GB" smtClean="0"/>
-              <a:t>31/12/2022</a:t>
+              <a:t>01/01/2023</a:t>
             </a:fld>
             <a:endParaRPr lang="en-GB"/>
           </a:p>
@@ -2048,7 +2048,7 @@
           <a:p>
             <a:fld id="{6BE6577F-8B27-443F-861A-67A305ED1D46}" type="datetimeFigureOut">
               <a:rPr lang="en-GB" smtClean="0"/>
-              <a:t>31/12/2022</a:t>
+              <a:t>01/01/2023</a:t>
             </a:fld>
             <a:endParaRPr lang="en-GB"/>
           </a:p>
@@ -2166,7 +2166,7 @@
           <a:p>
             <a:fld id="{6BE6577F-8B27-443F-861A-67A305ED1D46}" type="datetimeFigureOut">
               <a:rPr lang="en-GB" smtClean="0"/>
-              <a:t>31/12/2022</a:t>
+              <a:t>01/01/2023</a:t>
             </a:fld>
             <a:endParaRPr lang="en-GB"/>
           </a:p>
@@ -2261,7 +2261,7 @@
           <a:p>
             <a:fld id="{6BE6577F-8B27-443F-861A-67A305ED1D46}" type="datetimeFigureOut">
               <a:rPr lang="en-GB" smtClean="0"/>
-              <a:t>31/12/2022</a:t>
+              <a:t>01/01/2023</a:t>
             </a:fld>
             <a:endParaRPr lang="en-GB"/>
           </a:p>
@@ -2538,7 +2538,7 @@
           <a:p>
             <a:fld id="{6BE6577F-8B27-443F-861A-67A305ED1D46}" type="datetimeFigureOut">
               <a:rPr lang="en-GB" smtClean="0"/>
-              <a:t>31/12/2022</a:t>
+              <a:t>01/01/2023</a:t>
             </a:fld>
             <a:endParaRPr lang="en-GB"/>
           </a:p>
@@ -2795,7 +2795,7 @@
           <a:p>
             <a:fld id="{6BE6577F-8B27-443F-861A-67A305ED1D46}" type="datetimeFigureOut">
               <a:rPr lang="en-GB" smtClean="0"/>
-              <a:t>31/12/2022</a:t>
+              <a:t>01/01/2023</a:t>
             </a:fld>
             <a:endParaRPr lang="en-GB"/>
           </a:p>
@@ -3008,7 +3008,7 @@
           <a:p>
             <a:fld id="{6BE6577F-8B27-443F-861A-67A305ED1D46}" type="datetimeFigureOut">
               <a:rPr lang="en-GB" smtClean="0"/>
-              <a:t>31/12/2022</a:t>
+              <a:t>01/01/2023</a:t>
             </a:fld>
             <a:endParaRPr lang="en-GB"/>
           </a:p>
@@ -3428,7 +3428,7 @@
           <p:nvPr>
             <p:extLst>
               <p:ext uri="{D42A27DB-BD31-4B8C-83A1-F6EECF244321}">
-                <p14:modId xmlns:p14="http://schemas.microsoft.com/office/powerpoint/2010/main" val="1981157855"/>
+                <p14:modId xmlns:p14="http://schemas.microsoft.com/office/powerpoint/2010/main" val="1183188155"/>
               </p:ext>
             </p:extLst>
           </p:nvPr>
@@ -4503,7 +4503,7 @@
                           <a:latin typeface="+mn-lt"/>
                           <a:cs typeface="Times New Roman" panose="02020603050405020304" pitchFamily="18" charset="0"/>
                         </a:rPr>
-                        <a:t>Two segments that end with inwards/outwards pointing arrow-like fins. The line with inward-pointing fins is typically perceived to be longer.</a:t>
+                        <a:t>Two parallel segments that end with inwards/outwards pointing arrow-like fins. The segment with inward-pointing fins is typically perceived to be longer.</a:t>
                       </a:r>
                       <a:endParaRPr lang="en-SG" sz="2400" dirty="0">
                         <a:latin typeface="+mn-lt"/>
@@ -4793,7 +4793,7 @@
                           <a:latin typeface="+mn-lt"/>
                           <a:cs typeface="Times New Roman" panose="02020603050405020304" pitchFamily="18" charset="0"/>
                         </a:rPr>
-                        <a:t>Composed of two equal-length parallel horizontal lines embedded between a pair of converging lines, the upper line is typically perceived to be longer.</a:t>
+                        <a:t>Two parallel segments embedded between a pair of converging lines. The segment on the convergence side is typically perceived to be longer.</a:t>
                       </a:r>
                       <a:endParaRPr lang="en-SG" sz="2400" dirty="0">
                         <a:latin typeface="+mn-lt"/>
@@ -5135,7 +5135,7 @@
                           <a:latin typeface="+mn-lt"/>
                           <a:cs typeface="Times New Roman" panose="02020603050405020304" pitchFamily="18" charset="0"/>
                         </a:rPr>
-                        <a:t>Involves two equal-length line segments; one presented vertically and the other horizontally. The length of the vertical line is usually perceived to be longer, relative to that of the horizontal line</a:t>
+                        <a:t>Two lines segments, one horizontal and one angled. The angled line is usually perceived as longer.</a:t>
                       </a:r>
                     </a:p>
                   </a:txBody>
@@ -5485,7 +5485,7 @@
                           <a:latin typeface="+mn-lt"/>
                           <a:cs typeface="Times New Roman" panose="02020603050405020304" pitchFamily="18" charset="0"/>
                         </a:rPr>
-                        <a:t>Represented by two parallel horizontal lines crossed with short, repeated lines. The direction in which the repeated lines cross over the target parallel lines oppose one another, causing the target lines to appear not parallel.</a:t>
+                        <a:t>Represented by two long lines crossed with short, repeated lines, that appear as converging to one side.</a:t>
                       </a:r>
                       <a:endParaRPr lang="en-SG" sz="2400" dirty="0">
                         <a:latin typeface="+mn-lt"/>
@@ -5810,7 +5810,7 @@
                           <a:latin typeface="+mn-lt"/>
                           <a:cs typeface="Times New Roman" panose="02020603050405020304" pitchFamily="18" charset="0"/>
                         </a:rPr>
-                        <a:t>Consists of a vertical line segment ('rod') that is enclosed in a laterally tilted square ('frame'). The orientation of the line segment typically looks congruent with that of the frame</a:t>
+                        <a:t>A segment (“rod”) enclosed in a tilted square ('frame’), that appear to be leaning to one side.</a:t>
                       </a:r>
                       <a:endParaRPr lang="en-SG" sz="2400" dirty="0">
                         <a:latin typeface="+mn-lt"/>
@@ -6132,7 +6132,7 @@
                           <a:latin typeface="+mn-lt"/>
                           <a:cs typeface="Times New Roman" panose="02020603050405020304" pitchFamily="18" charset="0"/>
                         </a:rPr>
-                        <a:t>Characterized by an oblique collinear line that appears as two misaligned line segments separated by a rectangular structure, the upper line usually appears to be positioned higher than the point that would be collinear with the lower line. </a:t>
+                        <a:t>Two oblique segments separated by a rectangle. The right segment appears to be vertically misplaced.</a:t>
                       </a:r>
                       <a:endParaRPr lang="en-SG" sz="2400" dirty="0">
                         <a:latin typeface="+mn-lt"/>
@@ -6454,7 +6454,7 @@
                           <a:latin typeface="+mn-lt"/>
                           <a:cs typeface="Times New Roman" panose="02020603050405020304" pitchFamily="18" charset="0"/>
                         </a:rPr>
-                        <a:t>Consists of two identical grey rectangles embedded in backgrounds of different color intensities. The rectangle on the dark background usually appears lighter than the rectangle on the light background.</a:t>
+                        <a:t>Consists of two smaller grey rectangles embedded in backgrounds of different contrasts. The rectangle with the darker background appears lighter.</a:t>
                       </a:r>
                       <a:endParaRPr lang="en-SG" sz="2400" dirty="0">
                         <a:latin typeface="+mn-lt"/>
@@ -6780,7 +6780,21 @@
                           <a:latin typeface="+mn-lt"/>
                           <a:cs typeface="Times New Roman" panose="02020603050405020304" pitchFamily="18" charset="0"/>
                         </a:rPr>
-                        <a:t>Composed of a series of black and white horizontal bars superimposed with identical grey rectangles. Rectangles that have been superimposed onto white bars typically appear darker than those superimposed onto black bars</a:t>
+                        <a:t>Composed of a series of contrasting horizontal bars superimposed with vertical grey rectangles. </a:t>
+                      </a:r>
+                      <a:r>
+                        <a:rPr lang="en-US" sz="2400">
+                          <a:latin typeface="+mn-lt"/>
+                          <a:cs typeface="Times New Roman" panose="02020603050405020304" pitchFamily="18" charset="0"/>
+                        </a:rPr>
+                        <a:t>Rectangles superimposed </a:t>
+                      </a:r>
+                      <a:r>
+                        <a:rPr lang="en-US" sz="2400" dirty="0">
+                          <a:latin typeface="+mn-lt"/>
+                          <a:cs typeface="Times New Roman" panose="02020603050405020304" pitchFamily="18" charset="0"/>
+                        </a:rPr>
+                        <a:t>onto darker bars appear lighter</a:t>
                       </a:r>
                       <a:endParaRPr lang="en-SG" sz="2400" dirty="0">
                         <a:latin typeface="+mn-lt"/>

--- a/figures/Figure2.pptx
+++ b/figures/Figure2.pptx
@@ -197,7 +197,7 @@
           <a:p>
             <a:fld id="{F660B25F-A1D7-4641-B84D-4EA17F879FAD}" type="datetimeFigureOut">
               <a:rPr lang="en-GB" smtClean="0"/>
-              <a:t>01/01/2023</a:t>
+              <a:t>02/01/2023</a:t>
             </a:fld>
             <a:endParaRPr lang="en-GB"/>
           </a:p>
@@ -685,7 +685,7 @@
           <a:p>
             <a:fld id="{6BE6577F-8B27-443F-861A-67A305ED1D46}" type="datetimeFigureOut">
               <a:rPr lang="en-GB" smtClean="0"/>
-              <a:t>01/01/2023</a:t>
+              <a:t>02/01/2023</a:t>
             </a:fld>
             <a:endParaRPr lang="en-GB"/>
           </a:p>
@@ -855,7 +855,7 @@
           <a:p>
             <a:fld id="{6BE6577F-8B27-443F-861A-67A305ED1D46}" type="datetimeFigureOut">
               <a:rPr lang="en-GB" smtClean="0"/>
-              <a:t>01/01/2023</a:t>
+              <a:t>02/01/2023</a:t>
             </a:fld>
             <a:endParaRPr lang="en-GB"/>
           </a:p>
@@ -1035,7 +1035,7 @@
           <a:p>
             <a:fld id="{6BE6577F-8B27-443F-861A-67A305ED1D46}" type="datetimeFigureOut">
               <a:rPr lang="en-GB" smtClean="0"/>
-              <a:t>01/01/2023</a:t>
+              <a:t>02/01/2023</a:t>
             </a:fld>
             <a:endParaRPr lang="en-GB"/>
           </a:p>
@@ -1205,7 +1205,7 @@
           <a:p>
             <a:fld id="{6BE6577F-8B27-443F-861A-67A305ED1D46}" type="datetimeFigureOut">
               <a:rPr lang="en-GB" smtClean="0"/>
-              <a:t>01/01/2023</a:t>
+              <a:t>02/01/2023</a:t>
             </a:fld>
             <a:endParaRPr lang="en-GB"/>
           </a:p>
@@ -1449,7 +1449,7 @@
           <a:p>
             <a:fld id="{6BE6577F-8B27-443F-861A-67A305ED1D46}" type="datetimeFigureOut">
               <a:rPr lang="en-GB" smtClean="0"/>
-              <a:t>01/01/2023</a:t>
+              <a:t>02/01/2023</a:t>
             </a:fld>
             <a:endParaRPr lang="en-GB"/>
           </a:p>
@@ -1681,7 +1681,7 @@
           <a:p>
             <a:fld id="{6BE6577F-8B27-443F-861A-67A305ED1D46}" type="datetimeFigureOut">
               <a:rPr lang="en-GB" smtClean="0"/>
-              <a:t>01/01/2023</a:t>
+              <a:t>02/01/2023</a:t>
             </a:fld>
             <a:endParaRPr lang="en-GB"/>
           </a:p>
@@ -2048,7 +2048,7 @@
           <a:p>
             <a:fld id="{6BE6577F-8B27-443F-861A-67A305ED1D46}" type="datetimeFigureOut">
               <a:rPr lang="en-GB" smtClean="0"/>
-              <a:t>01/01/2023</a:t>
+              <a:t>02/01/2023</a:t>
             </a:fld>
             <a:endParaRPr lang="en-GB"/>
           </a:p>
@@ -2166,7 +2166,7 @@
           <a:p>
             <a:fld id="{6BE6577F-8B27-443F-861A-67A305ED1D46}" type="datetimeFigureOut">
               <a:rPr lang="en-GB" smtClean="0"/>
-              <a:t>01/01/2023</a:t>
+              <a:t>02/01/2023</a:t>
             </a:fld>
             <a:endParaRPr lang="en-GB"/>
           </a:p>
@@ -2261,7 +2261,7 @@
           <a:p>
             <a:fld id="{6BE6577F-8B27-443F-861A-67A305ED1D46}" type="datetimeFigureOut">
               <a:rPr lang="en-GB" smtClean="0"/>
-              <a:t>01/01/2023</a:t>
+              <a:t>02/01/2023</a:t>
             </a:fld>
             <a:endParaRPr lang="en-GB"/>
           </a:p>
@@ -2538,7 +2538,7 @@
           <a:p>
             <a:fld id="{6BE6577F-8B27-443F-861A-67A305ED1D46}" type="datetimeFigureOut">
               <a:rPr lang="en-GB" smtClean="0"/>
-              <a:t>01/01/2023</a:t>
+              <a:t>02/01/2023</a:t>
             </a:fld>
             <a:endParaRPr lang="en-GB"/>
           </a:p>
@@ -2795,7 +2795,7 @@
           <a:p>
             <a:fld id="{6BE6577F-8B27-443F-861A-67A305ED1D46}" type="datetimeFigureOut">
               <a:rPr lang="en-GB" smtClean="0"/>
-              <a:t>01/01/2023</a:t>
+              <a:t>02/01/2023</a:t>
             </a:fld>
             <a:endParaRPr lang="en-GB"/>
           </a:p>
@@ -3008,7 +3008,7 @@
           <a:p>
             <a:fld id="{6BE6577F-8B27-443F-861A-67A305ED1D46}" type="datetimeFigureOut">
               <a:rPr lang="en-GB" smtClean="0"/>
-              <a:t>01/01/2023</a:t>
+              <a:t>02/01/2023</a:t>
             </a:fld>
             <a:endParaRPr lang="en-GB"/>
           </a:p>
@@ -3428,7 +3428,7 @@
           <p:nvPr>
             <p:extLst>
               <p:ext uri="{D42A27DB-BD31-4B8C-83A1-F6EECF244321}">
-                <p14:modId xmlns:p14="http://schemas.microsoft.com/office/powerpoint/2010/main" val="1183188155"/>
+                <p14:modId xmlns:p14="http://schemas.microsoft.com/office/powerpoint/2010/main" val="4142591302"/>
               </p:ext>
             </p:extLst>
           </p:nvPr>
@@ -5810,7 +5810,21 @@
                           <a:latin typeface="+mn-lt"/>
                           <a:cs typeface="Times New Roman" panose="02020603050405020304" pitchFamily="18" charset="0"/>
                         </a:rPr>
-                        <a:t>A segment (“rod”) enclosed in a tilted square ('frame’), that appear to be leaning to one side.</a:t>
+                        <a:t>A segment (“rod”) enclosed in a tilted square ('frame’), </a:t>
+                      </a:r>
+                      <a:r>
+                        <a:rPr lang="en-US" sz="2400">
+                          <a:latin typeface="+mn-lt"/>
+                          <a:cs typeface="Times New Roman" panose="02020603050405020304" pitchFamily="18" charset="0"/>
+                        </a:rPr>
+                        <a:t>that appears </a:t>
+                      </a:r>
+                      <a:r>
+                        <a:rPr lang="en-US" sz="2400" dirty="0">
+                          <a:latin typeface="+mn-lt"/>
+                          <a:cs typeface="Times New Roman" panose="02020603050405020304" pitchFamily="18" charset="0"/>
+                        </a:rPr>
+                        <a:t>to be leaning to one side.</a:t>
                       </a:r>
                       <a:endParaRPr lang="en-SG" sz="2400" dirty="0">
                         <a:latin typeface="+mn-lt"/>
@@ -6780,21 +6794,7 @@
                           <a:latin typeface="+mn-lt"/>
                           <a:cs typeface="Times New Roman" panose="02020603050405020304" pitchFamily="18" charset="0"/>
                         </a:rPr>
-                        <a:t>Composed of a series of contrasting horizontal bars superimposed with vertical grey rectangles. </a:t>
-                      </a:r>
-                      <a:r>
-                        <a:rPr lang="en-US" sz="2400">
-                          <a:latin typeface="+mn-lt"/>
-                          <a:cs typeface="Times New Roman" panose="02020603050405020304" pitchFamily="18" charset="0"/>
-                        </a:rPr>
-                        <a:t>Rectangles superimposed </a:t>
-                      </a:r>
-                      <a:r>
-                        <a:rPr lang="en-US" sz="2400" dirty="0">
-                          <a:latin typeface="+mn-lt"/>
-                          <a:cs typeface="Times New Roman" panose="02020603050405020304" pitchFamily="18" charset="0"/>
-                        </a:rPr>
-                        <a:t>onto darker bars appear lighter</a:t>
+                        <a:t>Composed of a series of contrasting horizontal bars superimposed with vertical grey rectangles. Rectangles superimposed onto darker bars appear lighter</a:t>
                       </a:r>
                       <a:endParaRPr lang="en-SG" sz="2400" dirty="0">
                         <a:latin typeface="+mn-lt"/>

--- a/figures/Figure2.pptx
+++ b/figures/Figure2.pptx
@@ -3428,7 +3428,7 @@
           <p:nvPr>
             <p:extLst>
               <p:ext uri="{D42A27DB-BD31-4B8C-83A1-F6EECF244321}">
-                <p14:modId xmlns:p14="http://schemas.microsoft.com/office/powerpoint/2010/main" val="4142591302"/>
+                <p14:modId xmlns:p14="http://schemas.microsoft.com/office/powerpoint/2010/main" val="209433629"/>
               </p:ext>
             </p:extLst>
           </p:nvPr>
@@ -5810,14 +5810,14 @@
                           <a:latin typeface="+mn-lt"/>
                           <a:cs typeface="Times New Roman" panose="02020603050405020304" pitchFamily="18" charset="0"/>
                         </a:rPr>
-                        <a:t>A segment (“rod”) enclosed in a tilted square ('frame’), </a:t>
+                        <a:t>A segment (“rod”) enclosed in a tilted </a:t>
                       </a:r>
                       <a:r>
                         <a:rPr lang="en-US" sz="2400">
                           <a:latin typeface="+mn-lt"/>
                           <a:cs typeface="Times New Roman" panose="02020603050405020304" pitchFamily="18" charset="0"/>
                         </a:rPr>
-                        <a:t>that appears </a:t>
+                        <a:t>square (“frame”), that appears </a:t>
                       </a:r>
                       <a:r>
                         <a:rPr lang="en-US" sz="2400" dirty="0">
@@ -6794,7 +6794,7 @@
                           <a:latin typeface="+mn-lt"/>
                           <a:cs typeface="Times New Roman" panose="02020603050405020304" pitchFamily="18" charset="0"/>
                         </a:rPr>
-                        <a:t>Composed of a series of contrasting horizontal bars superimposed with vertical grey rectangles. Rectangles superimposed onto darker bars appear lighter</a:t>
+                        <a:t>Composed of a series of contrasting horizontal bars superimposed with vertical grey rectangles. Rectangles superimposed onto darker bars appear lighter.</a:t>
                       </a:r>
                       <a:endParaRPr lang="en-SG" sz="2400" dirty="0">
                         <a:latin typeface="+mn-lt"/>
